--- a/Slides/02. OpenCV影像原理介紹.pptx
+++ b/Slides/02. OpenCV影像原理介紹.pptx
@@ -121,7 +121,7 @@
   </p:defaultTextStyle>
   <p:extLst>
     <p:ext uri="{EFAFB233-063F-42B5-8137-9DF3F51BA10A}">
-      <p15:sldGuideLst xmlns:p15="http://schemas.microsoft.com/office/powerpoint/2012/main" xmlns="">
+      <p15:sldGuideLst xmlns="" xmlns:p15="http://schemas.microsoft.com/office/powerpoint/2012/main">
         <p15:guide id="1" orient="horz" pos="2160">
           <p15:clr>
             <a:srgbClr val="A4A3A4"/>
@@ -135,7 +135,7 @@
       </p15:sldGuideLst>
     </p:ext>
     <p:ext uri="{2D200454-40CA-4A62-9FC3-DE9A4176ACB9}">
-      <p15:notesGuideLst xmlns:p15="http://schemas.microsoft.com/office/powerpoint/2012/main" xmlns=""/>
+      <p15:notesGuideLst xmlns="" xmlns:p15="http://schemas.microsoft.com/office/powerpoint/2012/main"/>
     </p:ext>
   </p:extLst>
 </p:presentation>
@@ -226,7 +226,7 @@
             <a:fld id="{68F88C59-319B-4332-9A1D-2A62CFCB00D8}" type="datetimeFigureOut">
               <a:rPr lang="en-US" smtClean="0"/>
               <a:pPr/>
-              <a:t>9/23/2020</a:t>
+              <a:t>3/21/2021</a:t>
             </a:fld>
             <a:endParaRPr lang="en-US" dirty="0"/>
           </a:p>
@@ -304,7 +304,7 @@
     </p:spTree>
     <p:extLst>
       <p:ext uri="{BB962C8B-B14F-4D97-AF65-F5344CB8AC3E}">
-        <p14:creationId xmlns:p14="http://schemas.microsoft.com/office/powerpoint/2010/main" xmlns="" val="2345123278"/>
+        <p14:creationId xmlns="" xmlns:p14="http://schemas.microsoft.com/office/powerpoint/2010/main" val="2345123278"/>
       </p:ext>
     </p:extLst>
   </p:cSld>
@@ -397,7 +397,7 @@
             <a:fld id="{968B300D-05F0-4B43-940D-46DED5A791AD}" type="datetimeFigureOut">
               <a:rPr lang="en-US" smtClean="0"/>
               <a:pPr/>
-              <a:t>9/23/2020</a:t>
+              <a:t>3/21/2021</a:t>
             </a:fld>
             <a:endParaRPr lang="en-US" dirty="0"/>
           </a:p>
@@ -569,7 +569,7 @@
     </p:spTree>
     <p:extLst>
       <p:ext uri="{BB962C8B-B14F-4D97-AF65-F5344CB8AC3E}">
-        <p14:creationId xmlns:p14="http://schemas.microsoft.com/office/powerpoint/2010/main" xmlns="" val="623787478"/>
+        <p14:creationId xmlns="" xmlns:p14="http://schemas.microsoft.com/office/powerpoint/2010/main" val="623787478"/>
       </p:ext>
     </p:extLst>
   </p:cSld>
@@ -745,7 +745,7 @@
     </p:spTree>
     <p:extLst>
       <p:ext uri="{BB962C8B-B14F-4D97-AF65-F5344CB8AC3E}">
-        <p14:creationId xmlns:p14="http://schemas.microsoft.com/office/powerpoint/2010/main" xmlns="" val="2659555247"/>
+        <p14:creationId xmlns="" xmlns:p14="http://schemas.microsoft.com/office/powerpoint/2010/main" val="2659555247"/>
       </p:ext>
     </p:extLst>
   </p:cSld>
@@ -830,7 +830,7 @@
     </p:spTree>
     <p:extLst>
       <p:ext uri="{BB962C8B-B14F-4D97-AF65-F5344CB8AC3E}">
-        <p14:creationId xmlns:p14="http://schemas.microsoft.com/office/powerpoint/2010/main" xmlns="" val="2659555247"/>
+        <p14:creationId xmlns="" xmlns:p14="http://schemas.microsoft.com/office/powerpoint/2010/main" val="2659555247"/>
       </p:ext>
     </p:extLst>
   </p:cSld>
@@ -915,7 +915,7 @@
     </p:spTree>
     <p:extLst>
       <p:ext uri="{BB962C8B-B14F-4D97-AF65-F5344CB8AC3E}">
-        <p14:creationId xmlns:p14="http://schemas.microsoft.com/office/powerpoint/2010/main" xmlns="" val="2659555247"/>
+        <p14:creationId xmlns="" xmlns:p14="http://schemas.microsoft.com/office/powerpoint/2010/main" val="2659555247"/>
       </p:ext>
     </p:extLst>
   </p:cSld>
@@ -1000,7 +1000,7 @@
     </p:spTree>
     <p:extLst>
       <p:ext uri="{BB962C8B-B14F-4D97-AF65-F5344CB8AC3E}">
-        <p14:creationId xmlns:p14="http://schemas.microsoft.com/office/powerpoint/2010/main" xmlns="" val="2659555247"/>
+        <p14:creationId xmlns="" xmlns:p14="http://schemas.microsoft.com/office/powerpoint/2010/main" val="2659555247"/>
       </p:ext>
     </p:extLst>
   </p:cSld>
@@ -1085,7 +1085,7 @@
     </p:spTree>
     <p:extLst>
       <p:ext uri="{BB962C8B-B14F-4D97-AF65-F5344CB8AC3E}">
-        <p14:creationId xmlns:p14="http://schemas.microsoft.com/office/powerpoint/2010/main" xmlns="" val="2659555247"/>
+        <p14:creationId xmlns="" xmlns:p14="http://schemas.microsoft.com/office/powerpoint/2010/main" val="2659555247"/>
       </p:ext>
     </p:extLst>
   </p:cSld>
@@ -1170,7 +1170,7 @@
     </p:spTree>
     <p:extLst>
       <p:ext uri="{BB962C8B-B14F-4D97-AF65-F5344CB8AC3E}">
-        <p14:creationId xmlns:p14="http://schemas.microsoft.com/office/powerpoint/2010/main" xmlns="" val="2659555247"/>
+        <p14:creationId xmlns="" xmlns:p14="http://schemas.microsoft.com/office/powerpoint/2010/main" val="2659555247"/>
       </p:ext>
     </p:extLst>
   </p:cSld>
@@ -1255,7 +1255,7 @@
     </p:spTree>
     <p:extLst>
       <p:ext uri="{BB962C8B-B14F-4D97-AF65-F5344CB8AC3E}">
-        <p14:creationId xmlns:p14="http://schemas.microsoft.com/office/powerpoint/2010/main" xmlns="" val="2659555247"/>
+        <p14:creationId xmlns="" xmlns:p14="http://schemas.microsoft.com/office/powerpoint/2010/main" val="2659555247"/>
       </p:ext>
     </p:extLst>
   </p:cSld>
@@ -1340,7 +1340,7 @@
     </p:spTree>
     <p:extLst>
       <p:ext uri="{BB962C8B-B14F-4D97-AF65-F5344CB8AC3E}">
-        <p14:creationId xmlns:p14="http://schemas.microsoft.com/office/powerpoint/2010/main" xmlns="" val="2659555247"/>
+        <p14:creationId xmlns="" xmlns:p14="http://schemas.microsoft.com/office/powerpoint/2010/main" val="2659555247"/>
       </p:ext>
     </p:extLst>
   </p:cSld>
@@ -1425,7 +1425,7 @@
     </p:spTree>
     <p:extLst>
       <p:ext uri="{BB962C8B-B14F-4D97-AF65-F5344CB8AC3E}">
-        <p14:creationId xmlns:p14="http://schemas.microsoft.com/office/powerpoint/2010/main" xmlns="" val="2659555247"/>
+        <p14:creationId xmlns="" xmlns:p14="http://schemas.microsoft.com/office/powerpoint/2010/main" val="2659555247"/>
       </p:ext>
     </p:extLst>
   </p:cSld>
@@ -1510,7 +1510,7 @@
     </p:spTree>
     <p:extLst>
       <p:ext uri="{BB962C8B-B14F-4D97-AF65-F5344CB8AC3E}">
-        <p14:creationId xmlns:p14="http://schemas.microsoft.com/office/powerpoint/2010/main" xmlns="" val="2659555247"/>
+        <p14:creationId xmlns="" xmlns:p14="http://schemas.microsoft.com/office/powerpoint/2010/main" val="2659555247"/>
       </p:ext>
     </p:extLst>
   </p:cSld>
@@ -1595,7 +1595,7 @@
     </p:spTree>
     <p:extLst>
       <p:ext uri="{BB962C8B-B14F-4D97-AF65-F5344CB8AC3E}">
-        <p14:creationId xmlns:p14="http://schemas.microsoft.com/office/powerpoint/2010/main" xmlns="" val="2659555247"/>
+        <p14:creationId xmlns="" xmlns:p14="http://schemas.microsoft.com/office/powerpoint/2010/main" val="2659555247"/>
       </p:ext>
     </p:extLst>
   </p:cSld>
@@ -1680,7 +1680,7 @@
     </p:spTree>
     <p:extLst>
       <p:ext uri="{BB962C8B-B14F-4D97-AF65-F5344CB8AC3E}">
-        <p14:creationId xmlns:p14="http://schemas.microsoft.com/office/powerpoint/2010/main" xmlns="" val="2659555247"/>
+        <p14:creationId xmlns="" xmlns:p14="http://schemas.microsoft.com/office/powerpoint/2010/main" val="2659555247"/>
       </p:ext>
     </p:extLst>
   </p:cSld>
@@ -1998,7 +1998,7 @@
                 </a:solidFill>
               </a:rPr>
               <a:pPr/>
-              <a:t>9/23/2020</a:t>
+              <a:t>3/21/2021</a:t>
             </a:fld>
             <a:endParaRPr kumimoji="0" lang="en-US" dirty="0"/>
           </a:p>
@@ -2389,7 +2389,7 @@
                 </a:solidFill>
               </a:rPr>
               <a:pPr/>
-              <a:t>9/23/2020</a:t>
+              <a:t>3/21/2021</a:t>
             </a:fld>
             <a:endParaRPr kumimoji="0" lang="en-US" dirty="0"/>
           </a:p>
@@ -2724,7 +2724,7 @@
                 </a:solidFill>
               </a:rPr>
               <a:pPr/>
-              <a:t>9/23/2020</a:t>
+              <a:t>3/21/2021</a:t>
             </a:fld>
             <a:endParaRPr kumimoji="0" lang="en-US" dirty="0"/>
           </a:p>
@@ -3300,7 +3300,7 @@
                 </a:solidFill>
               </a:rPr>
               <a:pPr/>
-              <a:t>9/23/2020</a:t>
+              <a:t>3/21/2021</a:t>
             </a:fld>
             <a:endParaRPr kumimoji="0" lang="en-US" dirty="0"/>
           </a:p>
@@ -3864,7 +3864,7 @@
                 </a:solidFill>
               </a:rPr>
               <a:pPr/>
-              <a:t>9/23/2020</a:t>
+              <a:t>3/21/2021</a:t>
             </a:fld>
             <a:endParaRPr kumimoji="0" lang="en-US" dirty="0"/>
           </a:p>
@@ -4323,7 +4323,7 @@
                 </a:solidFill>
               </a:rPr>
               <a:pPr/>
-              <a:t>9/23/2020</a:t>
+              <a:t>3/21/2021</a:t>
             </a:fld>
             <a:endParaRPr kumimoji="0" lang="en-US" dirty="0"/>
           </a:p>
@@ -4747,7 +4747,7 @@
                 </a:solidFill>
               </a:rPr>
               <a:pPr/>
-              <a:t>9/23/2020</a:t>
+              <a:t>3/21/2021</a:t>
             </a:fld>
             <a:endParaRPr kumimoji="0" lang="en-US" dirty="0"/>
           </a:p>
@@ -5251,7 +5251,7 @@
                 </a:solidFill>
               </a:rPr>
               <a:pPr/>
-              <a:t>9/23/2020</a:t>
+              <a:t>3/21/2021</a:t>
             </a:fld>
             <a:endParaRPr kumimoji="0" lang="en-US" dirty="0"/>
           </a:p>
@@ -5755,7 +5755,7 @@
                 </a:solidFill>
               </a:rPr>
               <a:pPr/>
-              <a:t>9/23/2020</a:t>
+              <a:t>3/21/2021</a:t>
             </a:fld>
             <a:endParaRPr kumimoji="0" lang="en-US" dirty="0"/>
           </a:p>
@@ -5971,7 +5971,7 @@
                 </a:solidFill>
               </a:rPr>
               <a:pPr/>
-              <a:t>9/23/2020</a:t>
+              <a:t>3/21/2021</a:t>
             </a:fld>
             <a:endParaRPr kumimoji="0" lang="en-US" dirty="0"/>
           </a:p>
@@ -6299,7 +6299,7 @@
                 </a:solidFill>
               </a:rPr>
               <a:pPr/>
-              <a:t>9/23/2020</a:t>
+              <a:t>3/21/2021</a:t>
             </a:fld>
             <a:endParaRPr kumimoji="0" lang="en-US" dirty="0"/>
           </a:p>
@@ -6525,7 +6525,7 @@
                 </a:solidFill>
               </a:rPr>
               <a:pPr/>
-              <a:t>9/23/2020</a:t>
+              <a:t>3/21/2021</a:t>
             </a:fld>
             <a:endParaRPr kumimoji="0" lang="en-US" dirty="0"/>
           </a:p>
@@ -6744,7 +6744,7 @@
                 </a:solidFill>
               </a:rPr>
               <a:pPr/>
-              <a:t>9/23/2020</a:t>
+              <a:t>3/21/2021</a:t>
             </a:fld>
             <a:endParaRPr kumimoji="0" lang="en-US" dirty="0"/>
           </a:p>
@@ -6920,7 +6920,7 @@
             <a:fld id="{ACB2EC6F-6501-4E04-BD6C-A8A6CABB2C5B}" type="datetimeFigureOut">
               <a:rPr kumimoji="0" lang="en-US" smtClean="0"/>
               <a:pPr/>
-              <a:t>9/23/2020</a:t>
+              <a:t>3/21/2021</a:t>
             </a:fld>
             <a:endParaRPr kumimoji="0" lang="en-US" dirty="0"/>
           </a:p>
@@ -7165,7 +7165,7 @@
                 </a:solidFill>
               </a:rPr>
               <a:pPr/>
-              <a:t>9/23/2020</a:t>
+              <a:t>3/21/2021</a:t>
             </a:fld>
             <a:endParaRPr kumimoji="0" lang="en-US" dirty="0"/>
           </a:p>
@@ -7637,7 +7637,7 @@
                 </a:solidFill>
               </a:rPr>
               <a:pPr/>
-              <a:t>9/23/2020</a:t>
+              <a:t>3/21/2021</a:t>
             </a:fld>
             <a:endParaRPr kumimoji="0" lang="en-US" dirty="0"/>
           </a:p>
@@ -7989,7 +7989,7 @@
                 </a:solidFill>
               </a:rPr>
               <a:pPr/>
-              <a:t>9/23/2020</a:t>
+              <a:t>3/21/2021</a:t>
             </a:fld>
             <a:endParaRPr kumimoji="0" lang="en-US" dirty="0"/>
           </a:p>
@@ -8347,7 +8347,7 @@
                 </a:solidFill>
               </a:rPr>
               <a:pPr/>
-              <a:t>9/23/2020</a:t>
+              <a:t>3/21/2021</a:t>
             </a:fld>
             <a:endParaRPr kumimoji="0" lang="en-US" dirty="0"/>
           </a:p>
@@ -8652,7 +8652,7 @@
                 </a:solidFill>
               </a:rPr>
               <a:pPr/>
-              <a:t>9/23/2020</a:t>
+              <a:t>3/21/2021</a:t>
             </a:fld>
             <a:endParaRPr kumimoji="0" lang="en-US" dirty="0"/>
           </a:p>
@@ -9128,7 +9128,7 @@
                 </a:solidFill>
               </a:rPr>
               <a:pPr/>
-              <a:t>9/23/2020</a:t>
+              <a:t>3/21/2021</a:t>
             </a:fld>
             <a:endParaRPr kumimoji="0" lang="en-US" dirty="0"/>
           </a:p>
@@ -9365,7 +9365,7 @@
                 </a:solidFill>
               </a:rPr>
               <a:pPr/>
-              <a:t>9/23/2020</a:t>
+              <a:t>3/21/2021</a:t>
             </a:fld>
             <a:endParaRPr kumimoji="0" lang="en-US" sz="1200" dirty="0">
               <a:solidFill>
@@ -10282,7 +10282,7 @@
     </p:spTree>
     <p:extLst>
       <p:ext uri="{BB962C8B-B14F-4D97-AF65-F5344CB8AC3E}">
-        <p14:creationId xmlns:p14="http://schemas.microsoft.com/office/powerpoint/2010/main" xmlns="" val="522405798"/>
+        <p14:creationId xmlns="" xmlns:p14="http://schemas.microsoft.com/office/powerpoint/2010/main" val="522405798"/>
       </p:ext>
     </p:extLst>
   </p:cSld>
@@ -10585,7 +10585,7 @@
     </p:spTree>
     <p:extLst>
       <p:ext uri="{BB962C8B-B14F-4D97-AF65-F5344CB8AC3E}">
-        <p14:creationId xmlns:p14="http://schemas.microsoft.com/office/powerpoint/2010/main" xmlns="" val="522405798"/>
+        <p14:creationId xmlns="" xmlns:p14="http://schemas.microsoft.com/office/powerpoint/2010/main" val="522405798"/>
       </p:ext>
     </p:extLst>
   </p:cSld>
@@ -10717,7 +10717,7 @@
     </p:spTree>
     <p:extLst>
       <p:ext uri="{BB962C8B-B14F-4D97-AF65-F5344CB8AC3E}">
-        <p14:creationId xmlns:p14="http://schemas.microsoft.com/office/powerpoint/2010/main" xmlns="" val="522405798"/>
+        <p14:creationId xmlns="" xmlns:p14="http://schemas.microsoft.com/office/powerpoint/2010/main" val="522405798"/>
       </p:ext>
     </p:extLst>
   </p:cSld>
@@ -10849,7 +10849,7 @@
     </p:spTree>
     <p:extLst>
       <p:ext uri="{BB962C8B-B14F-4D97-AF65-F5344CB8AC3E}">
-        <p14:creationId xmlns:p14="http://schemas.microsoft.com/office/powerpoint/2010/main" xmlns="" val="522405798"/>
+        <p14:creationId xmlns="" xmlns:p14="http://schemas.microsoft.com/office/powerpoint/2010/main" val="522405798"/>
       </p:ext>
     </p:extLst>
   </p:cSld>
@@ -11398,7 +11398,7 @@
     </p:spTree>
     <p:extLst>
       <p:ext uri="{BB962C8B-B14F-4D97-AF65-F5344CB8AC3E}">
-        <p14:creationId xmlns:p14="http://schemas.microsoft.com/office/powerpoint/2010/main" xmlns="" val="522405798"/>
+        <p14:creationId xmlns="" xmlns:p14="http://schemas.microsoft.com/office/powerpoint/2010/main" val="522405798"/>
       </p:ext>
     </p:extLst>
   </p:cSld>
@@ -11530,7 +11530,7 @@
     </p:spTree>
     <p:extLst>
       <p:ext uri="{BB962C8B-B14F-4D97-AF65-F5344CB8AC3E}">
-        <p14:creationId xmlns:p14="http://schemas.microsoft.com/office/powerpoint/2010/main" xmlns="" val="522405798"/>
+        <p14:creationId xmlns="" xmlns:p14="http://schemas.microsoft.com/office/powerpoint/2010/main" val="522405798"/>
       </p:ext>
     </p:extLst>
   </p:cSld>
@@ -11761,7 +11761,7 @@
     </p:spTree>
     <p:extLst>
       <p:ext uri="{BB962C8B-B14F-4D97-AF65-F5344CB8AC3E}">
-        <p14:creationId xmlns:p14="http://schemas.microsoft.com/office/powerpoint/2010/main" xmlns="" val="522405798"/>
+        <p14:creationId xmlns="" xmlns:p14="http://schemas.microsoft.com/office/powerpoint/2010/main" val="522405798"/>
       </p:ext>
     </p:extLst>
   </p:cSld>
@@ -11925,7 +11925,7 @@
     </p:spTree>
     <p:extLst>
       <p:ext uri="{BB962C8B-B14F-4D97-AF65-F5344CB8AC3E}">
-        <p14:creationId xmlns:p14="http://schemas.microsoft.com/office/powerpoint/2010/main" xmlns="" val="522405798"/>
+        <p14:creationId xmlns="" xmlns:p14="http://schemas.microsoft.com/office/powerpoint/2010/main" val="522405798"/>
       </p:ext>
     </p:extLst>
   </p:cSld>
@@ -11989,11 +11989,25 @@
               <a:buChar char="•"/>
             </a:pPr>
             <a:r>
+              <a:rPr lang="zh-TW" altLang="en-US" sz="3600" smtClean="0">
+                <a:latin typeface="微軟正黑體" pitchFamily="34" charset="-120"/>
+                <a:ea typeface="微軟正黑體" pitchFamily="34" charset="-120"/>
+              </a:rPr>
+              <a:t>也是</a:t>
+            </a:r>
+            <a:r>
+              <a:rPr lang="zh-TW" altLang="en-US" sz="3600" smtClean="0">
+                <a:latin typeface="微軟正黑體" pitchFamily="34" charset="-120"/>
+                <a:ea typeface="微軟正黑體" pitchFamily="34" charset="-120"/>
+              </a:rPr>
+              <a:t>使用二</a:t>
+            </a:r>
+            <a:r>
               <a:rPr lang="zh-TW" altLang="en-US" sz="3600" dirty="0" smtClean="0">
                 <a:latin typeface="微軟正黑體" pitchFamily="34" charset="-120"/>
                 <a:ea typeface="微軟正黑體" pitchFamily="34" charset="-120"/>
               </a:rPr>
-              <a:t>也是使用像二維矩陣</a:t>
+              <a:t>維矩陣</a:t>
             </a:r>
             <a:endParaRPr lang="en-US" altLang="zh-TW" sz="3600" dirty="0" smtClean="0">
               <a:latin typeface="微軟正黑體" pitchFamily="34" charset="-120"/>
@@ -12576,7 +12590,7 @@
     </p:spTree>
     <p:extLst>
       <p:ext uri="{BB962C8B-B14F-4D97-AF65-F5344CB8AC3E}">
-        <p14:creationId xmlns:p14="http://schemas.microsoft.com/office/powerpoint/2010/main" xmlns="" val="522405798"/>
+        <p14:creationId xmlns="" xmlns:p14="http://schemas.microsoft.com/office/powerpoint/2010/main" val="522405798"/>
       </p:ext>
     </p:extLst>
   </p:cSld>
@@ -12740,7 +12754,7 @@
     </p:spTree>
     <p:extLst>
       <p:ext uri="{BB962C8B-B14F-4D97-AF65-F5344CB8AC3E}">
-        <p14:creationId xmlns:p14="http://schemas.microsoft.com/office/powerpoint/2010/main" xmlns="" val="522405798"/>
+        <p14:creationId xmlns="" xmlns:p14="http://schemas.microsoft.com/office/powerpoint/2010/main" val="522405798"/>
       </p:ext>
     </p:extLst>
   </p:cSld>
@@ -12965,7 +12979,7 @@
     </p:spTree>
     <p:extLst>
       <p:ext uri="{BB962C8B-B14F-4D97-AF65-F5344CB8AC3E}">
-        <p14:creationId xmlns:p14="http://schemas.microsoft.com/office/powerpoint/2010/main" xmlns="" val="522405798"/>
+        <p14:creationId xmlns="" xmlns:p14="http://schemas.microsoft.com/office/powerpoint/2010/main" val="522405798"/>
       </p:ext>
     </p:extLst>
   </p:cSld>
@@ -13249,7 +13263,7 @@
     </p:spTree>
     <p:extLst>
       <p:ext uri="{BB962C8B-B14F-4D97-AF65-F5344CB8AC3E}">
-        <p14:creationId xmlns:p14="http://schemas.microsoft.com/office/powerpoint/2010/main" xmlns="" val="522405798"/>
+        <p14:creationId xmlns="" xmlns:p14="http://schemas.microsoft.com/office/powerpoint/2010/main" val="522405798"/>
       </p:ext>
     </p:extLst>
   </p:cSld>
